--- a/G13需求分析.pptx
+++ b/G13需求分析.pptx
@@ -221,7 +221,7 @@
           <a:p>
             <a:fld id="{9617C1BF-8031-4E9F-B1F0-E48939AD5206}" type="datetimeFigureOut">
               <a:rPr lang="zh-CN" altLang="en-US" smtClean="0"/>
-              <a:t>2022/11/6</a:t>
+              <a:t>2022/11/13</a:t>
             </a:fld>
             <a:endParaRPr lang="zh-CN" altLang="en-US"/>
           </a:p>
@@ -6570,34 +6570,26 @@
       </p:grpSp>
       <p:pic>
         <p:nvPicPr>
-          <p:cNvPr id="8" name="图片 7">
+          <p:cNvPr id="22" name="图片 21">
             <a:extLst>
               <a:ext uri="{FF2B5EF4-FFF2-40B4-BE49-F238E27FC236}">
-                <a16:creationId xmlns:a16="http://schemas.microsoft.com/office/drawing/2014/main" id="{26E587F9-7E9E-4D48-96EC-AF8E8DD9C398}"/>
+                <a16:creationId xmlns:a16="http://schemas.microsoft.com/office/drawing/2014/main" id="{B1E79AFF-ABEC-4C07-AE52-D014C3EE370E}"/>
               </a:ext>
             </a:extLst>
           </p:cNvPr>
-          <p:cNvPicPr>
-            <a:picLocks noChangeAspect="1"/>
-          </p:cNvPicPr>
+          <p:cNvPicPr/>
           <p:nvPr/>
         </p:nvPicPr>
         <p:blipFill>
-          <a:blip r:embed="rId3">
-            <a:extLst>
-              <a:ext uri="{28A0092B-C50C-407E-A947-70E740481C1C}">
-                <a14:useLocalDpi xmlns:a14="http://schemas.microsoft.com/office/drawing/2010/main" val="0"/>
-              </a:ext>
-            </a:extLst>
-          </a:blip>
+          <a:blip r:embed="rId3"/>
           <a:stretch>
             <a:fillRect/>
           </a:stretch>
         </p:blipFill>
         <p:spPr>
           <a:xfrm>
-            <a:off x="3222794" y="1403111"/>
-            <a:ext cx="5634651" cy="4183301"/>
+            <a:off x="3458845" y="1627187"/>
+            <a:ext cx="5274310" cy="3603625"/>
           </a:xfrm>
           <a:prstGeom prst="rect">
             <a:avLst/>
